--- a/KDD-2024/Slides/part8_shapelet_based.pptx
+++ b/KDD-2024/Slides/part8_shapelet_based.pptx
@@ -24372,7 +24372,7 @@
           <a:p>
             <a:fld id="{A208CC58-AEBA-4B81-AD4F-648E402612BD}" type="datetimeFigureOut">
               <a:rPr lang="en-GB" smtClean="0"/>
-              <a:t>21/08/2024</a:t>
+              <a:t>25/08/2024</a:t>
             </a:fld>
             <a:endParaRPr lang="en-GB"/>
           </a:p>
@@ -25639,7 +25639,7 @@
           <a:p>
             <a:fld id="{EDEC158B-FB0A-43FC-87BA-79B801717EB2}" type="datetimeFigureOut">
               <a:rPr lang="en-AU" smtClean="0"/>
-              <a:t>21/08/2024</a:t>
+              <a:t>25/08/2024</a:t>
             </a:fld>
             <a:endParaRPr lang="en-AU"/>
           </a:p>
@@ -25809,7 +25809,7 @@
           <a:p>
             <a:fld id="{EDEC158B-FB0A-43FC-87BA-79B801717EB2}" type="datetimeFigureOut">
               <a:rPr lang="en-AU" smtClean="0"/>
-              <a:t>21/08/2024</a:t>
+              <a:t>25/08/2024</a:t>
             </a:fld>
             <a:endParaRPr lang="en-AU"/>
           </a:p>
@@ -25989,7 +25989,7 @@
           <a:p>
             <a:fld id="{EDEC158B-FB0A-43FC-87BA-79B801717EB2}" type="datetimeFigureOut">
               <a:rPr lang="en-AU" smtClean="0"/>
-              <a:t>21/08/2024</a:t>
+              <a:t>25/08/2024</a:t>
             </a:fld>
             <a:endParaRPr lang="en-AU"/>
           </a:p>
@@ -26613,7 +26613,7 @@
           <a:p>
             <a:fld id="{EDEC158B-FB0A-43FC-87BA-79B801717EB2}" type="datetimeFigureOut">
               <a:rPr lang="en-AU" smtClean="0"/>
-              <a:t>21/08/2024</a:t>
+              <a:t>25/08/2024</a:t>
             </a:fld>
             <a:endParaRPr lang="en-AU"/>
           </a:p>
@@ -26859,7 +26859,7 @@
           <a:p>
             <a:fld id="{EDEC158B-FB0A-43FC-87BA-79B801717EB2}" type="datetimeFigureOut">
               <a:rPr lang="en-AU" smtClean="0"/>
-              <a:t>21/08/2024</a:t>
+              <a:t>25/08/2024</a:t>
             </a:fld>
             <a:endParaRPr lang="en-AU"/>
           </a:p>
@@ -27091,7 +27091,7 @@
           <a:p>
             <a:fld id="{EDEC158B-FB0A-43FC-87BA-79B801717EB2}" type="datetimeFigureOut">
               <a:rPr lang="en-AU" smtClean="0"/>
-              <a:t>21/08/2024</a:t>
+              <a:t>25/08/2024</a:t>
             </a:fld>
             <a:endParaRPr lang="en-AU"/>
           </a:p>
@@ -27458,7 +27458,7 @@
           <a:p>
             <a:fld id="{EDEC158B-FB0A-43FC-87BA-79B801717EB2}" type="datetimeFigureOut">
               <a:rPr lang="en-AU" smtClean="0"/>
-              <a:t>21/08/2024</a:t>
+              <a:t>25/08/2024</a:t>
             </a:fld>
             <a:endParaRPr lang="en-AU"/>
           </a:p>
@@ -27576,7 +27576,7 @@
           <a:p>
             <a:fld id="{EDEC158B-FB0A-43FC-87BA-79B801717EB2}" type="datetimeFigureOut">
               <a:rPr lang="en-AU" smtClean="0"/>
-              <a:t>21/08/2024</a:t>
+              <a:t>25/08/2024</a:t>
             </a:fld>
             <a:endParaRPr lang="en-AU"/>
           </a:p>
@@ -27671,7 +27671,7 @@
           <a:p>
             <a:fld id="{EDEC158B-FB0A-43FC-87BA-79B801717EB2}" type="datetimeFigureOut">
               <a:rPr lang="en-AU" smtClean="0"/>
-              <a:t>21/08/2024</a:t>
+              <a:t>25/08/2024</a:t>
             </a:fld>
             <a:endParaRPr lang="en-AU"/>
           </a:p>
@@ -27948,7 +27948,7 @@
           <a:p>
             <a:fld id="{EDEC158B-FB0A-43FC-87BA-79B801717EB2}" type="datetimeFigureOut">
               <a:rPr lang="en-AU" smtClean="0"/>
-              <a:t>21/08/2024</a:t>
+              <a:t>25/08/2024</a:t>
             </a:fld>
             <a:endParaRPr lang="en-AU"/>
           </a:p>
@@ -28205,7 +28205,7 @@
           <a:p>
             <a:fld id="{EDEC158B-FB0A-43FC-87BA-79B801717EB2}" type="datetimeFigureOut">
               <a:rPr lang="en-AU" smtClean="0"/>
-              <a:t>21/08/2024</a:t>
+              <a:t>25/08/2024</a:t>
             </a:fld>
             <a:endParaRPr lang="en-AU"/>
           </a:p>
@@ -28418,7 +28418,7 @@
           <a:p>
             <a:fld id="{EDEC158B-FB0A-43FC-87BA-79B801717EB2}" type="datetimeFigureOut">
               <a:rPr lang="en-AU" smtClean="0"/>
-              <a:t>21/08/2024</a:t>
+              <a:t>25/08/2024</a:t>
             </a:fld>
             <a:endParaRPr lang="en-AU"/>
           </a:p>

--- a/KDD-2024/Slides/part8_shapelet_based.pptx
+++ b/KDD-2024/Slides/part8_shapelet_based.pptx
@@ -24372,7 +24372,7 @@
           <a:p>
             <a:fld id="{A208CC58-AEBA-4B81-AD4F-648E402612BD}" type="datetimeFigureOut">
               <a:rPr lang="en-GB" smtClean="0"/>
-              <a:t>25/08/2024</a:t>
+              <a:t>05/09/2024</a:t>
             </a:fld>
             <a:endParaRPr lang="en-GB"/>
           </a:p>
@@ -25639,7 +25639,7 @@
           <a:p>
             <a:fld id="{EDEC158B-FB0A-43FC-87BA-79B801717EB2}" type="datetimeFigureOut">
               <a:rPr lang="en-AU" smtClean="0"/>
-              <a:t>25/08/2024</a:t>
+              <a:t>5/09/2024</a:t>
             </a:fld>
             <a:endParaRPr lang="en-AU"/>
           </a:p>
@@ -25809,7 +25809,7 @@
           <a:p>
             <a:fld id="{EDEC158B-FB0A-43FC-87BA-79B801717EB2}" type="datetimeFigureOut">
               <a:rPr lang="en-AU" smtClean="0"/>
-              <a:t>25/08/2024</a:t>
+              <a:t>5/09/2024</a:t>
             </a:fld>
             <a:endParaRPr lang="en-AU"/>
           </a:p>
@@ -25989,7 +25989,7 @@
           <a:p>
             <a:fld id="{EDEC158B-FB0A-43FC-87BA-79B801717EB2}" type="datetimeFigureOut">
               <a:rPr lang="en-AU" smtClean="0"/>
-              <a:t>25/08/2024</a:t>
+              <a:t>5/09/2024</a:t>
             </a:fld>
             <a:endParaRPr lang="en-AU"/>
           </a:p>
@@ -26613,7 +26613,7 @@
           <a:p>
             <a:fld id="{EDEC158B-FB0A-43FC-87BA-79B801717EB2}" type="datetimeFigureOut">
               <a:rPr lang="en-AU" smtClean="0"/>
-              <a:t>25/08/2024</a:t>
+              <a:t>5/09/2024</a:t>
             </a:fld>
             <a:endParaRPr lang="en-AU"/>
           </a:p>
@@ -26859,7 +26859,7 @@
           <a:p>
             <a:fld id="{EDEC158B-FB0A-43FC-87BA-79B801717EB2}" type="datetimeFigureOut">
               <a:rPr lang="en-AU" smtClean="0"/>
-              <a:t>25/08/2024</a:t>
+              <a:t>5/09/2024</a:t>
             </a:fld>
             <a:endParaRPr lang="en-AU"/>
           </a:p>
@@ -27091,7 +27091,7 @@
           <a:p>
             <a:fld id="{EDEC158B-FB0A-43FC-87BA-79B801717EB2}" type="datetimeFigureOut">
               <a:rPr lang="en-AU" smtClean="0"/>
-              <a:t>25/08/2024</a:t>
+              <a:t>5/09/2024</a:t>
             </a:fld>
             <a:endParaRPr lang="en-AU"/>
           </a:p>
@@ -27458,7 +27458,7 @@
           <a:p>
             <a:fld id="{EDEC158B-FB0A-43FC-87BA-79B801717EB2}" type="datetimeFigureOut">
               <a:rPr lang="en-AU" smtClean="0"/>
-              <a:t>25/08/2024</a:t>
+              <a:t>5/09/2024</a:t>
             </a:fld>
             <a:endParaRPr lang="en-AU"/>
           </a:p>
@@ -27576,7 +27576,7 @@
           <a:p>
             <a:fld id="{EDEC158B-FB0A-43FC-87BA-79B801717EB2}" type="datetimeFigureOut">
               <a:rPr lang="en-AU" smtClean="0"/>
-              <a:t>25/08/2024</a:t>
+              <a:t>5/09/2024</a:t>
             </a:fld>
             <a:endParaRPr lang="en-AU"/>
           </a:p>
@@ -27671,7 +27671,7 @@
           <a:p>
             <a:fld id="{EDEC158B-FB0A-43FC-87BA-79B801717EB2}" type="datetimeFigureOut">
               <a:rPr lang="en-AU" smtClean="0"/>
-              <a:t>25/08/2024</a:t>
+              <a:t>5/09/2024</a:t>
             </a:fld>
             <a:endParaRPr lang="en-AU"/>
           </a:p>
@@ -27948,7 +27948,7 @@
           <a:p>
             <a:fld id="{EDEC158B-FB0A-43FC-87BA-79B801717EB2}" type="datetimeFigureOut">
               <a:rPr lang="en-AU" smtClean="0"/>
-              <a:t>25/08/2024</a:t>
+              <a:t>5/09/2024</a:t>
             </a:fld>
             <a:endParaRPr lang="en-AU"/>
           </a:p>
@@ -28205,7 +28205,7 @@
           <a:p>
             <a:fld id="{EDEC158B-FB0A-43FC-87BA-79B801717EB2}" type="datetimeFigureOut">
               <a:rPr lang="en-AU" smtClean="0"/>
-              <a:t>25/08/2024</a:t>
+              <a:t>5/09/2024</a:t>
             </a:fld>
             <a:endParaRPr lang="en-AU"/>
           </a:p>
@@ -28418,7 +28418,7 @@
           <a:p>
             <a:fld id="{EDEC158B-FB0A-43FC-87BA-79B801717EB2}" type="datetimeFigureOut">
               <a:rPr lang="en-AU" smtClean="0"/>
-              <a:t>25/08/2024</a:t>
+              <a:t>5/09/2024</a:t>
             </a:fld>
             <a:endParaRPr lang="en-AU"/>
           </a:p>
@@ -35873,7 +35873,7 @@
         </p:nvSpPr>
         <p:spPr>
           <a:xfrm>
-            <a:off x="6174121" y="1250177"/>
+            <a:off x="6209617" y="1250177"/>
             <a:ext cx="648072" cy="288032"/>
           </a:xfrm>
           <a:prstGeom prst="rightArrow">
@@ -36041,7 +36041,7 @@
         </p:blipFill>
         <p:spPr>
           <a:xfrm>
-            <a:off x="4013881" y="890138"/>
+            <a:off x="4049377" y="890138"/>
             <a:ext cx="1944216" cy="1765209"/>
           </a:xfrm>
           <a:prstGeom prst="rect">
